--- a/docs/宿金玉.pptx
+++ b/docs/宿金玉.pptx
@@ -20,8 +20,7 @@
     <p:sldId id="338" r:id="rId15"/>
     <p:sldId id="339" r:id="rId16"/>
     <p:sldId id="340" r:id="rId17"/>
-    <p:sldId id="341" r:id="rId18"/>
-    <p:sldId id="296" r:id="rId19"/>
+    <p:sldId id="296" r:id="rId18"/>
   </p:sldIdLst>
   <p:sldSz cx="9144000" cy="5143500"/>
   <p:notesSz cx="6858000" cy="9144000"/>
@@ -12651,222 +12650,6 @@
       <p:grpSpPr/>
       <p:grpSp>
         <p:nvGrpSpPr>
-          <p:cNvPr id="12317" name="组合 126"/>
-          <p:cNvGrpSpPr/>
-          <p:nvPr/>
-        </p:nvGrpSpPr>
-        <p:grpSpPr>
-          <a:xfrm>
-            <a:off x="309563" y="1068388"/>
-            <a:ext cx="2158999" cy="1047750"/>
-            <a:chOff x="0" y="0"/>
-            <a:chExt cx="2160111" cy="1048206"/>
-          </a:xfrm>
-        </p:grpSpPr>
-        <p:sp>
-          <p:nvSpPr>
-            <p:cNvPr id="12318" name="矩形 127"/>
-            <p:cNvSpPr/>
-            <p:nvPr/>
-          </p:nvSpPr>
-          <p:spPr>
-            <a:xfrm>
-              <a:off x="0" y="228751"/>
-              <a:ext cx="2160111" cy="819455"/>
-            </a:xfrm>
-            <a:prstGeom prst="rect">
-              <a:avLst/>
-            </a:prstGeom>
-            <a:noFill/>
-            <a:ln w="9525">
-              <a:noFill/>
-            </a:ln>
-          </p:spPr>
-          <p:txBody>
-            <a:bodyPr anchor="t">
-              <a:spAutoFit/>
-            </a:bodyPr>
-            <a:p>
-              <a:pPr algn="r">
-                <a:lnSpc>
-                  <a:spcPct val="150000"/>
-                </a:lnSpc>
-              </a:pPr>
-              <a:endParaRPr lang="zh-CN" altLang="en-US" sz="1000" dirty="0">
-                <a:solidFill>
-                  <a:srgbClr val="112F4B"/>
-                </a:solidFill>
-                <a:latin typeface="微软雅黑" panose="020B0503020204020204" pitchFamily="2" charset="-122"/>
-                <a:ea typeface="微软雅黑" panose="020B0503020204020204" pitchFamily="2" charset="-122"/>
-              </a:endParaRPr>
-            </a:p>
-          </p:txBody>
-        </p:sp>
-        <p:sp>
-          <p:nvSpPr>
-            <p:cNvPr id="12319" name="矩形 128"/>
-            <p:cNvSpPr/>
-            <p:nvPr/>
-          </p:nvSpPr>
-          <p:spPr>
-            <a:xfrm>
-              <a:off x="1030691" y="0"/>
-              <a:ext cx="310040" cy="275710"/>
-            </a:xfrm>
-            <a:prstGeom prst="rect">
-              <a:avLst/>
-            </a:prstGeom>
-            <a:noFill/>
-            <a:ln w="9525">
-              <a:noFill/>
-            </a:ln>
-          </p:spPr>
-          <p:txBody>
-            <a:bodyPr wrap="none" anchor="t">
-              <a:spAutoFit/>
-            </a:bodyPr>
-            <a:p>
-              <a:pPr algn="ctr"/>
-              <a:endParaRPr lang="zh-CN" altLang="en-US" sz="1200" b="1" dirty="0">
-                <a:solidFill>
-                  <a:schemeClr val="bg1"/>
-                </a:solidFill>
-                <a:latin typeface="微软雅黑" panose="020B0503020204020204" pitchFamily="2" charset="-122"/>
-                <a:ea typeface="微软雅黑" panose="020B0503020204020204" pitchFamily="2" charset="-122"/>
-              </a:endParaRPr>
-            </a:p>
-          </p:txBody>
-        </p:sp>
-      </p:grpSp>
-      <p:grpSp>
-        <p:nvGrpSpPr>
-          <p:cNvPr id="12320" name="组合 132"/>
-          <p:cNvGrpSpPr/>
-          <p:nvPr/>
-        </p:nvGrpSpPr>
-        <p:grpSpPr>
-          <a:xfrm>
-            <a:off x="520700" y="3394075"/>
-            <a:ext cx="2433638" cy="1047750"/>
-            <a:chOff x="0" y="0"/>
-            <a:chExt cx="2434784" cy="1048206"/>
-          </a:xfrm>
-        </p:grpSpPr>
-        <p:sp>
-          <p:nvSpPr>
-            <p:cNvPr id="12321" name="矩形 133"/>
-            <p:cNvSpPr/>
-            <p:nvPr/>
-          </p:nvSpPr>
-          <p:spPr>
-            <a:xfrm>
-              <a:off x="0" y="228751"/>
-              <a:ext cx="2434784" cy="819455"/>
-            </a:xfrm>
-            <a:prstGeom prst="rect">
-              <a:avLst/>
-            </a:prstGeom>
-            <a:noFill/>
-            <a:ln w="9525">
-              <a:noFill/>
-            </a:ln>
-          </p:spPr>
-          <p:txBody>
-            <a:bodyPr anchor="t">
-              <a:spAutoFit/>
-            </a:bodyPr>
-            <a:p>
-              <a:pPr algn="r">
-                <a:lnSpc>
-                  <a:spcPct val="150000"/>
-                </a:lnSpc>
-              </a:pPr>
-              <a:r>
-                <a:rPr lang="en-US" altLang="x-none" sz="1000" dirty="0">
-                  <a:solidFill>
-                    <a:srgbClr val="112F4B"/>
-                  </a:solidFill>
-                  <a:latin typeface="微软雅黑" panose="020B0503020204020204" pitchFamily="2" charset="-122"/>
-                  <a:ea typeface="微软雅黑" panose="020B0503020204020204" pitchFamily="2" charset="-122"/>
-                </a:rPr>
-                <a:t>.</a:t>
-              </a:r>
-              <a:endParaRPr lang="zh-CN" altLang="en-US" sz="1000" dirty="0">
-                <a:solidFill>
-                  <a:srgbClr val="112F4B"/>
-                </a:solidFill>
-                <a:latin typeface="微软雅黑" panose="020B0503020204020204" pitchFamily="2" charset="-122"/>
-                <a:ea typeface="微软雅黑" panose="020B0503020204020204" pitchFamily="2" charset="-122"/>
-              </a:endParaRPr>
-            </a:p>
-          </p:txBody>
-        </p:sp>
-        <p:sp>
-          <p:nvSpPr>
-            <p:cNvPr id="12322" name="矩形 134"/>
-            <p:cNvSpPr/>
-            <p:nvPr/>
-          </p:nvSpPr>
-          <p:spPr>
-            <a:xfrm>
-              <a:off x="1305370" y="0"/>
-              <a:ext cx="310026" cy="275710"/>
-            </a:xfrm>
-            <a:prstGeom prst="rect">
-              <a:avLst/>
-            </a:prstGeom>
-            <a:noFill/>
-            <a:ln w="9525">
-              <a:noFill/>
-            </a:ln>
-          </p:spPr>
-          <p:txBody>
-            <a:bodyPr wrap="none" anchor="t">
-              <a:spAutoFit/>
-            </a:bodyPr>
-            <a:p>
-              <a:pPr algn="ctr"/>
-              <a:endParaRPr lang="en-US" altLang="zh-CN" sz="1200" b="1" dirty="0">
-                <a:solidFill>
-                  <a:schemeClr val="bg1"/>
-                </a:solidFill>
-                <a:latin typeface="微软雅黑" panose="020B0503020204020204" pitchFamily="2" charset="-122"/>
-                <a:ea typeface="微软雅黑" panose="020B0503020204020204" pitchFamily="2" charset="-122"/>
-              </a:endParaRPr>
-            </a:p>
-          </p:txBody>
-        </p:sp>
-      </p:grpSp>
-    </p:spTree>
-  </p:cSld>
-  <p:clrMapOvr>
-    <a:masterClrMapping/>
-  </p:clrMapOvr>
-  <p:transition>
-    <p:cover dir="d"/>
-  </p:transition>
-  <p:timing>
-    <p:tnLst>
-      <p:par>
-        <p:cTn id="1" dur="indefinite" restart="never" nodeType="tmRoot"/>
-      </p:par>
-    </p:tnLst>
-  </p:timing>
-</p:sld>
-</file>
-
-<file path=ppt/slides/slide16.xml><?xml version="1.0" encoding="utf-8"?>
-<p:sld xmlns:a="http://schemas.openxmlformats.org/drawingml/2006/main" xmlns:r="http://schemas.openxmlformats.org/officeDocument/2006/relationships" xmlns:p="http://schemas.openxmlformats.org/presentationml/2006/main">
-  <p:cSld>
-    <p:spTree>
-      <p:nvGrpSpPr>
-        <p:cNvPr id="1" name=""/>
-        <p:cNvGrpSpPr/>
-        <p:nvPr/>
-      </p:nvGrpSpPr>
-      <p:grpSpPr/>
-      <p:grpSp>
-        <p:nvGrpSpPr>
           <p:cNvPr id="26625" name="组合 31"/>
           <p:cNvGrpSpPr/>
           <p:nvPr/>
@@ -18360,311 +18143,7 @@
   <p:timing>
     <p:tnLst>
       <p:par>
-        <p:cTn id="1" dur="indefinite" restart="never" nodeType="tmRoot">
-          <p:childTnLst>
-            <p:seq concurrent="1" nextAc="seek">
-              <p:cTn id="2" dur="indefinite" nodeType="mainSeq">
-                <p:childTnLst>
-                  <p:par>
-                    <p:cTn id="3" fill="hold">
-                      <p:stCondLst>
-                        <p:cond delay="indefinite"/>
-                        <p:cond evt="onBegin" delay="0">
-                          <p:tn val="2"/>
-                        </p:cond>
-                      </p:stCondLst>
-                      <p:childTnLst>
-                        <p:par>
-                          <p:cTn id="4" fill="hold">
-                            <p:stCondLst>
-                              <p:cond delay="0"/>
-                            </p:stCondLst>
-                            <p:childTnLst>
-                              <p:par>
-                                <p:cTn id="5" presetID="25" presetClass="entr" presetSubtype="0" fill="hold" nodeType="withEffect">
-                                  <p:stCondLst>
-                                    <p:cond delay="0"/>
-                                  </p:stCondLst>
-                                  <p:childTnLst>
-                                    <p:set>
-                                      <p:cBhvr>
-                                        <p:cTn id="6" dur="1" fill="hold">
-                                          <p:stCondLst>
-                                            <p:cond delay="0"/>
-                                          </p:stCondLst>
-                                        </p:cTn>
-                                        <p:tgtEl>
-                                          <p:spTgt spid="7195">
-                                            <p:txEl>
-                                              <p:charRg st="0" end="9"/>
-                                            </p:txEl>
-                                          </p:spTgt>
-                                        </p:tgtEl>
-                                        <p:attrNameLst>
-                                          <p:attrName>style.visibility</p:attrName>
-                                        </p:attrNameLst>
-                                      </p:cBhvr>
-                                      <p:to>
-                                        <p:strVal val="visible"/>
-                                      </p:to>
-                                    </p:set>
-                                    <p:anim calcmode="lin" valueType="num">
-                                      <p:cBhvr>
-                                        <p:cTn id="7" dur="500" decel="50000" fill="hold">
-                                          <p:stCondLst>
-                                            <p:cond delay="0"/>
-                                          </p:stCondLst>
-                                        </p:cTn>
-                                        <p:tgtEl>
-                                          <p:spTgt spid="7195">
-                                            <p:txEl>
-                                              <p:charRg st="0" end="9"/>
-                                            </p:txEl>
-                                          </p:spTgt>
-                                        </p:tgtEl>
-                                        <p:attrNameLst>
-                                          <p:attrName>style.rotation</p:attrName>
-                                        </p:attrNameLst>
-                                      </p:cBhvr>
-                                      <p:tavLst>
-                                        <p:tav tm="0">
-                                          <p:val>
-                                            <p:fltVal val="-90.000000"/>
-                                          </p:val>
-                                        </p:tav>
-                                        <p:tav tm="100000">
-                                          <p:val>
-                                            <p:fltVal val="0.000000"/>
-                                          </p:val>
-                                        </p:tav>
-                                      </p:tavLst>
-                                    </p:anim>
-                                    <p:anim calcmode="lin" valueType="num">
-                                      <p:cBhvr>
-                                        <p:cTn id="8" dur="500" decel="50000" fill="hold">
-                                          <p:stCondLst>
-                                            <p:cond delay="0"/>
-                                          </p:stCondLst>
-                                        </p:cTn>
-                                        <p:tgtEl>
-                                          <p:spTgt spid="7195">
-                                            <p:txEl>
-                                              <p:charRg st="0" end="9"/>
-                                            </p:txEl>
-                                          </p:spTgt>
-                                        </p:tgtEl>
-                                        <p:attrNameLst>
-                                          <p:attrName>ppt_w</p:attrName>
-                                        </p:attrNameLst>
-                                      </p:cBhvr>
-                                      <p:tavLst>
-                                        <p:tav tm="0">
-                                          <p:val>
-                                            <p:strVal val="#ppt_w"/>
-                                          </p:val>
-                                        </p:tav>
-                                        <p:tav tm="100000">
-                                          <p:val>
-                                            <p:strVal val="#ppt_w*.05"/>
-                                          </p:val>
-                                        </p:tav>
-                                      </p:tavLst>
-                                    </p:anim>
-                                    <p:anim calcmode="lin" valueType="num">
-                                      <p:cBhvr>
-                                        <p:cTn id="9" dur="500" accel="50000" fill="hold">
-                                          <p:stCondLst>
-                                            <p:cond delay="500"/>
-                                          </p:stCondLst>
-                                        </p:cTn>
-                                        <p:tgtEl>
-                                          <p:spTgt spid="7195">
-                                            <p:txEl>
-                                              <p:charRg st="0" end="9"/>
-                                            </p:txEl>
-                                          </p:spTgt>
-                                        </p:tgtEl>
-                                        <p:attrNameLst>
-                                          <p:attrName>ppt_w</p:attrName>
-                                        </p:attrNameLst>
-                                      </p:cBhvr>
-                                      <p:tavLst>
-                                        <p:tav tm="0">
-                                          <p:val>
-                                            <p:strVal val="#ppt_w*.05"/>
-                                          </p:val>
-                                        </p:tav>
-                                        <p:tav tm="100000">
-                                          <p:val>
-                                            <p:strVal val="#ppt_w"/>
-                                          </p:val>
-                                        </p:tav>
-                                      </p:tavLst>
-                                    </p:anim>
-                                    <p:anim calcmode="lin" valueType="num">
-                                      <p:cBhvr>
-                                        <p:cTn id="10" dur="1000" fill="hold"/>
-                                        <p:tgtEl>
-                                          <p:spTgt spid="7195">
-                                            <p:txEl>
-                                              <p:charRg st="0" end="9"/>
-                                            </p:txEl>
-                                          </p:spTgt>
-                                        </p:tgtEl>
-                                        <p:attrNameLst>
-                                          <p:attrName>ppt_h</p:attrName>
-                                        </p:attrNameLst>
-                                      </p:cBhvr>
-                                      <p:tavLst>
-                                        <p:tav tm="0">
-                                          <p:val>
-                                            <p:strVal val="#ppt_h"/>
-                                          </p:val>
-                                        </p:tav>
-                                        <p:tav tm="100000">
-                                          <p:val>
-                                            <p:strVal val="#ppt_h"/>
-                                          </p:val>
-                                        </p:tav>
-                                      </p:tavLst>
-                                    </p:anim>
-                                    <p:anim calcmode="lin" valueType="num">
-                                      <p:cBhvr>
-                                        <p:cTn id="11" dur="500" decel="50000" fill="hold">
-                                          <p:stCondLst>
-                                            <p:cond delay="0"/>
-                                          </p:stCondLst>
-                                        </p:cTn>
-                                        <p:tgtEl>
-                                          <p:spTgt spid="7195">
-                                            <p:txEl>
-                                              <p:charRg st="0" end="9"/>
-                                            </p:txEl>
-                                          </p:spTgt>
-                                        </p:tgtEl>
-                                        <p:attrNameLst>
-                                          <p:attrName>ppt_x</p:attrName>
-                                        </p:attrNameLst>
-                                      </p:cBhvr>
-                                      <p:tavLst>
-                                        <p:tav tm="0">
-                                          <p:val>
-                                            <p:strVal val="#ppt_x+.4"/>
-                                          </p:val>
-                                        </p:tav>
-                                        <p:tav tm="100000">
-                                          <p:val>
-                                            <p:strVal val="#ppt_x"/>
-                                          </p:val>
-                                        </p:tav>
-                                      </p:tavLst>
-                                    </p:anim>
-                                    <p:anim calcmode="lin" valueType="num">
-                                      <p:cBhvr>
-                                        <p:cTn id="12" dur="500" decel="50000" fill="hold">
-                                          <p:stCondLst>
-                                            <p:cond delay="0"/>
-                                          </p:stCondLst>
-                                        </p:cTn>
-                                        <p:tgtEl>
-                                          <p:spTgt spid="7195">
-                                            <p:txEl>
-                                              <p:charRg st="0" end="9"/>
-                                            </p:txEl>
-                                          </p:spTgt>
-                                        </p:tgtEl>
-                                        <p:attrNameLst>
-                                          <p:attrName>ppt_y</p:attrName>
-                                        </p:attrNameLst>
-                                      </p:cBhvr>
-                                      <p:tavLst>
-                                        <p:tav tm="0">
-                                          <p:val>
-                                            <p:strVal val="#ppt_y-.2"/>
-                                          </p:val>
-                                        </p:tav>
-                                        <p:tav tm="100000">
-                                          <p:val>
-                                            <p:strVal val="#ppt_y+.1"/>
-                                          </p:val>
-                                        </p:tav>
-                                      </p:tavLst>
-                                    </p:anim>
-                                    <p:anim calcmode="lin" valueType="num">
-                                      <p:cBhvr>
-                                        <p:cTn id="13" dur="500" accel="50000" fill="hold">
-                                          <p:stCondLst>
-                                            <p:cond delay="500"/>
-                                          </p:stCondLst>
-                                        </p:cTn>
-                                        <p:tgtEl>
-                                          <p:spTgt spid="7195">
-                                            <p:txEl>
-                                              <p:charRg st="0" end="9"/>
-                                            </p:txEl>
-                                          </p:spTgt>
-                                        </p:tgtEl>
-                                        <p:attrNameLst>
-                                          <p:attrName>ppt_y</p:attrName>
-                                        </p:attrNameLst>
-                                      </p:cBhvr>
-                                      <p:tavLst>
-                                        <p:tav tm="0">
-                                          <p:val>
-                                            <p:strVal val="#ppt_y+.1"/>
-                                          </p:val>
-                                        </p:tav>
-                                        <p:tav tm="100000">
-                                          <p:val>
-                                            <p:strVal val="#ppt_y"/>
-                                          </p:val>
-                                        </p:tav>
-                                      </p:tavLst>
-                                    </p:anim>
-                                    <p:animEffect transition="in" filter="fade">
-                                      <p:cBhvr>
-                                        <p:cTn id="14" dur="1000" decel="50000">
-                                          <p:stCondLst>
-                                            <p:cond delay="0"/>
-                                          </p:stCondLst>
-                                        </p:cTn>
-                                        <p:tgtEl>
-                                          <p:spTgt spid="7195">
-                                            <p:txEl>
-                                              <p:charRg st="0" end="9"/>
-                                            </p:txEl>
-                                          </p:spTgt>
-                                        </p:tgtEl>
-                                      </p:cBhvr>
-                                    </p:animEffect>
-                                  </p:childTnLst>
-                                </p:cTn>
-                              </p:par>
-                            </p:childTnLst>
-                          </p:cTn>
-                        </p:par>
-                      </p:childTnLst>
-                    </p:cTn>
-                  </p:par>
-                </p:childTnLst>
-              </p:cTn>
-              <p:prevCondLst>
-                <p:cond evt="onPrev" delay="0">
-                  <p:tgtEl>
-                    <p:sldTgt/>
-                  </p:tgtEl>
-                </p:cond>
-              </p:prevCondLst>
-              <p:nextCondLst>
-                <p:cond evt="onNext" delay="0">
-                  <p:tgtEl>
-                    <p:sldTgt/>
-                  </p:tgtEl>
-                </p:cond>
-              </p:nextCondLst>
-            </p:seq>
-          </p:childTnLst>
-        </p:cTn>
+        <p:cTn id="1" dur="indefinite" restart="never" nodeType="tmRoot"/>
       </p:par>
     </p:tnLst>
   </p:timing>
@@ -22515,311 +21994,7 @@
   <p:timing>
     <p:tnLst>
       <p:par>
-        <p:cTn id="1" dur="indefinite" restart="never" nodeType="tmRoot">
-          <p:childTnLst>
-            <p:seq concurrent="1" nextAc="seek">
-              <p:cTn id="2" dur="indefinite" nodeType="mainSeq">
-                <p:childTnLst>
-                  <p:par>
-                    <p:cTn id="3" fill="hold">
-                      <p:stCondLst>
-                        <p:cond delay="indefinite"/>
-                        <p:cond evt="onBegin" delay="0">
-                          <p:tn val="2"/>
-                        </p:cond>
-                      </p:stCondLst>
-                      <p:childTnLst>
-                        <p:par>
-                          <p:cTn id="4" fill="hold">
-                            <p:stCondLst>
-                              <p:cond delay="0"/>
-                            </p:stCondLst>
-                            <p:childTnLst>
-                              <p:par>
-                                <p:cTn id="5" presetID="25" presetClass="entr" presetSubtype="0" fill="hold" nodeType="withEffect">
-                                  <p:stCondLst>
-                                    <p:cond delay="0"/>
-                                  </p:stCondLst>
-                                  <p:childTnLst>
-                                    <p:set>
-                                      <p:cBhvr>
-                                        <p:cTn id="6" dur="1" fill="hold">
-                                          <p:stCondLst>
-                                            <p:cond delay="0"/>
-                                          </p:stCondLst>
-                                        </p:cTn>
-                                        <p:tgtEl>
-                                          <p:spTgt spid="7195">
-                                            <p:txEl>
-                                              <p:charRg st="0" end="9"/>
-                                            </p:txEl>
-                                          </p:spTgt>
-                                        </p:tgtEl>
-                                        <p:attrNameLst>
-                                          <p:attrName>style.visibility</p:attrName>
-                                        </p:attrNameLst>
-                                      </p:cBhvr>
-                                      <p:to>
-                                        <p:strVal val="visible"/>
-                                      </p:to>
-                                    </p:set>
-                                    <p:anim calcmode="lin" valueType="num">
-                                      <p:cBhvr>
-                                        <p:cTn id="7" dur="500" decel="50000" fill="hold">
-                                          <p:stCondLst>
-                                            <p:cond delay="0"/>
-                                          </p:stCondLst>
-                                        </p:cTn>
-                                        <p:tgtEl>
-                                          <p:spTgt spid="7195">
-                                            <p:txEl>
-                                              <p:charRg st="0" end="9"/>
-                                            </p:txEl>
-                                          </p:spTgt>
-                                        </p:tgtEl>
-                                        <p:attrNameLst>
-                                          <p:attrName>style.rotation</p:attrName>
-                                        </p:attrNameLst>
-                                      </p:cBhvr>
-                                      <p:tavLst>
-                                        <p:tav tm="0">
-                                          <p:val>
-                                            <p:fltVal val="-90.000000"/>
-                                          </p:val>
-                                        </p:tav>
-                                        <p:tav tm="100000">
-                                          <p:val>
-                                            <p:fltVal val="0.000000"/>
-                                          </p:val>
-                                        </p:tav>
-                                      </p:tavLst>
-                                    </p:anim>
-                                    <p:anim calcmode="lin" valueType="num">
-                                      <p:cBhvr>
-                                        <p:cTn id="8" dur="500" decel="50000" fill="hold">
-                                          <p:stCondLst>
-                                            <p:cond delay="0"/>
-                                          </p:stCondLst>
-                                        </p:cTn>
-                                        <p:tgtEl>
-                                          <p:spTgt spid="7195">
-                                            <p:txEl>
-                                              <p:charRg st="0" end="9"/>
-                                            </p:txEl>
-                                          </p:spTgt>
-                                        </p:tgtEl>
-                                        <p:attrNameLst>
-                                          <p:attrName>ppt_w</p:attrName>
-                                        </p:attrNameLst>
-                                      </p:cBhvr>
-                                      <p:tavLst>
-                                        <p:tav tm="0">
-                                          <p:val>
-                                            <p:strVal val="#ppt_w"/>
-                                          </p:val>
-                                        </p:tav>
-                                        <p:tav tm="100000">
-                                          <p:val>
-                                            <p:strVal val="#ppt_w*.05"/>
-                                          </p:val>
-                                        </p:tav>
-                                      </p:tavLst>
-                                    </p:anim>
-                                    <p:anim calcmode="lin" valueType="num">
-                                      <p:cBhvr>
-                                        <p:cTn id="9" dur="500" accel="50000" fill="hold">
-                                          <p:stCondLst>
-                                            <p:cond delay="500"/>
-                                          </p:stCondLst>
-                                        </p:cTn>
-                                        <p:tgtEl>
-                                          <p:spTgt spid="7195">
-                                            <p:txEl>
-                                              <p:charRg st="0" end="9"/>
-                                            </p:txEl>
-                                          </p:spTgt>
-                                        </p:tgtEl>
-                                        <p:attrNameLst>
-                                          <p:attrName>ppt_w</p:attrName>
-                                        </p:attrNameLst>
-                                      </p:cBhvr>
-                                      <p:tavLst>
-                                        <p:tav tm="0">
-                                          <p:val>
-                                            <p:strVal val="#ppt_w*.05"/>
-                                          </p:val>
-                                        </p:tav>
-                                        <p:tav tm="100000">
-                                          <p:val>
-                                            <p:strVal val="#ppt_w"/>
-                                          </p:val>
-                                        </p:tav>
-                                      </p:tavLst>
-                                    </p:anim>
-                                    <p:anim calcmode="lin" valueType="num">
-                                      <p:cBhvr>
-                                        <p:cTn id="10" dur="1000" fill="hold"/>
-                                        <p:tgtEl>
-                                          <p:spTgt spid="7195">
-                                            <p:txEl>
-                                              <p:charRg st="0" end="9"/>
-                                            </p:txEl>
-                                          </p:spTgt>
-                                        </p:tgtEl>
-                                        <p:attrNameLst>
-                                          <p:attrName>ppt_h</p:attrName>
-                                        </p:attrNameLst>
-                                      </p:cBhvr>
-                                      <p:tavLst>
-                                        <p:tav tm="0">
-                                          <p:val>
-                                            <p:strVal val="#ppt_h"/>
-                                          </p:val>
-                                        </p:tav>
-                                        <p:tav tm="100000">
-                                          <p:val>
-                                            <p:strVal val="#ppt_h"/>
-                                          </p:val>
-                                        </p:tav>
-                                      </p:tavLst>
-                                    </p:anim>
-                                    <p:anim calcmode="lin" valueType="num">
-                                      <p:cBhvr>
-                                        <p:cTn id="11" dur="500" decel="50000" fill="hold">
-                                          <p:stCondLst>
-                                            <p:cond delay="0"/>
-                                          </p:stCondLst>
-                                        </p:cTn>
-                                        <p:tgtEl>
-                                          <p:spTgt spid="7195">
-                                            <p:txEl>
-                                              <p:charRg st="0" end="9"/>
-                                            </p:txEl>
-                                          </p:spTgt>
-                                        </p:tgtEl>
-                                        <p:attrNameLst>
-                                          <p:attrName>ppt_x</p:attrName>
-                                        </p:attrNameLst>
-                                      </p:cBhvr>
-                                      <p:tavLst>
-                                        <p:tav tm="0">
-                                          <p:val>
-                                            <p:strVal val="#ppt_x+.4"/>
-                                          </p:val>
-                                        </p:tav>
-                                        <p:tav tm="100000">
-                                          <p:val>
-                                            <p:strVal val="#ppt_x"/>
-                                          </p:val>
-                                        </p:tav>
-                                      </p:tavLst>
-                                    </p:anim>
-                                    <p:anim calcmode="lin" valueType="num">
-                                      <p:cBhvr>
-                                        <p:cTn id="12" dur="500" decel="50000" fill="hold">
-                                          <p:stCondLst>
-                                            <p:cond delay="0"/>
-                                          </p:stCondLst>
-                                        </p:cTn>
-                                        <p:tgtEl>
-                                          <p:spTgt spid="7195">
-                                            <p:txEl>
-                                              <p:charRg st="0" end="9"/>
-                                            </p:txEl>
-                                          </p:spTgt>
-                                        </p:tgtEl>
-                                        <p:attrNameLst>
-                                          <p:attrName>ppt_y</p:attrName>
-                                        </p:attrNameLst>
-                                      </p:cBhvr>
-                                      <p:tavLst>
-                                        <p:tav tm="0">
-                                          <p:val>
-                                            <p:strVal val="#ppt_y-.2"/>
-                                          </p:val>
-                                        </p:tav>
-                                        <p:tav tm="100000">
-                                          <p:val>
-                                            <p:strVal val="#ppt_y+.1"/>
-                                          </p:val>
-                                        </p:tav>
-                                      </p:tavLst>
-                                    </p:anim>
-                                    <p:anim calcmode="lin" valueType="num">
-                                      <p:cBhvr>
-                                        <p:cTn id="13" dur="500" accel="50000" fill="hold">
-                                          <p:stCondLst>
-                                            <p:cond delay="500"/>
-                                          </p:stCondLst>
-                                        </p:cTn>
-                                        <p:tgtEl>
-                                          <p:spTgt spid="7195">
-                                            <p:txEl>
-                                              <p:charRg st="0" end="9"/>
-                                            </p:txEl>
-                                          </p:spTgt>
-                                        </p:tgtEl>
-                                        <p:attrNameLst>
-                                          <p:attrName>ppt_y</p:attrName>
-                                        </p:attrNameLst>
-                                      </p:cBhvr>
-                                      <p:tavLst>
-                                        <p:tav tm="0">
-                                          <p:val>
-                                            <p:strVal val="#ppt_y+.1"/>
-                                          </p:val>
-                                        </p:tav>
-                                        <p:tav tm="100000">
-                                          <p:val>
-                                            <p:strVal val="#ppt_y"/>
-                                          </p:val>
-                                        </p:tav>
-                                      </p:tavLst>
-                                    </p:anim>
-                                    <p:animEffect transition="in" filter="fade">
-                                      <p:cBhvr>
-                                        <p:cTn id="14" dur="1000" decel="50000">
-                                          <p:stCondLst>
-                                            <p:cond delay="0"/>
-                                          </p:stCondLst>
-                                        </p:cTn>
-                                        <p:tgtEl>
-                                          <p:spTgt spid="7195">
-                                            <p:txEl>
-                                              <p:charRg st="0" end="9"/>
-                                            </p:txEl>
-                                          </p:spTgt>
-                                        </p:tgtEl>
-                                      </p:cBhvr>
-                                    </p:animEffect>
-                                  </p:childTnLst>
-                                </p:cTn>
-                              </p:par>
-                            </p:childTnLst>
-                          </p:cTn>
-                        </p:par>
-                      </p:childTnLst>
-                    </p:cTn>
-                  </p:par>
-                </p:childTnLst>
-              </p:cTn>
-              <p:prevCondLst>
-                <p:cond evt="onPrev" delay="0">
-                  <p:tgtEl>
-                    <p:sldTgt/>
-                  </p:tgtEl>
-                </p:cond>
-              </p:prevCondLst>
-              <p:nextCondLst>
-                <p:cond evt="onNext" delay="0">
-                  <p:tgtEl>
-                    <p:sldTgt/>
-                  </p:tgtEl>
-                </p:cond>
-              </p:nextCondLst>
-            </p:seq>
-          </p:childTnLst>
-        </p:cTn>
+        <p:cTn id="1" dur="indefinite" restart="never" nodeType="tmRoot"/>
       </p:par>
     </p:tnLst>
   </p:timing>
